--- a/КП/Курсовое проектирование 2025.pptx
+++ b/КП/Курсовое проектирование 2025.pptx
@@ -5429,7 +5429,12 @@
             <p:ph type="title"/>
           </p:nvPr>
         </p:nvSpPr>
-        <p:spPr/>
+        <p:spPr>
+          <a:xfrm>
+            <a:off x="930533" y="304800"/>
+            <a:ext cx="7772400" cy="1143000"/>
+          </a:xfrm>
+        </p:spPr>
         <p:txBody>
           <a:bodyPr/>
           <a:lstStyle/>
@@ -5460,14 +5465,44 @@
         </p:spPr>
         <p:txBody>
           <a:bodyPr>
-            <a:normAutofit fontScale="77500" lnSpcReduction="20000"/>
+            <a:normAutofit fontScale="70000" lnSpcReduction="20000"/>
           </a:bodyPr>
           <a:lstStyle/>
           <a:p>
             <a:r>
               <a:rPr lang="ru-RU" dirty="0" smtClean="0"/>
-              <a:t>Титульный лист </a:t>
-            </a:r>
+              <a:t>Титульный </a:t>
+            </a:r>
+            <a:r>
+              <a:rPr lang="ru-RU" dirty="0" smtClean="0"/>
+              <a:t>лист</a:t>
+            </a:r>
+            <a:r>
+              <a:rPr lang="en-US" dirty="0" smtClean="0"/>
+              <a:t> </a:t>
+            </a:r>
+            <a:r>
+              <a:rPr lang="en-US" dirty="0" smtClean="0">
+                <a:latin typeface="Cambria" panose="02040503050406030204" pitchFamily="18" charset="0"/>
+                <a:ea typeface="Cambria" panose="02040503050406030204" pitchFamily="18" charset="0"/>
+              </a:rPr>
+              <a:t>(1c</a:t>
+            </a:r>
+            <a:r>
+              <a:rPr lang="ru-RU" dirty="0" err="1" smtClean="0">
+                <a:latin typeface="Cambria" panose="02040503050406030204" pitchFamily="18" charset="0"/>
+                <a:ea typeface="Cambria" panose="02040503050406030204" pitchFamily="18" charset="0"/>
+              </a:rPr>
+              <a:t>тр</a:t>
+            </a:r>
+            <a:r>
+              <a:rPr lang="en-US" dirty="0" smtClean="0">
+                <a:latin typeface="Cambria" panose="02040503050406030204" pitchFamily="18" charset="0"/>
+                <a:ea typeface="Cambria" panose="02040503050406030204" pitchFamily="18" charset="0"/>
+              </a:rPr>
+              <a:t>)</a:t>
+            </a:r>
+            <a:endParaRPr lang="ru-RU" dirty="0" smtClean="0"/>
           </a:p>
           <a:p>
             <a:r>
@@ -5482,38 +5517,48 @@
           <a:p>
             <a:r>
               <a:rPr lang="ru-RU" dirty="0" smtClean="0"/>
-              <a:t>Содержание</a:t>
-            </a:r>
+              <a:t>Содержание ()</a:t>
+            </a:r>
+            <a:endParaRPr lang="ru-RU" dirty="0" smtClean="0"/>
           </a:p>
           <a:p>
             <a:r>
               <a:rPr lang="ru-RU" dirty="0" smtClean="0"/>
               <a:t>Перечень сокращений и обозначений </a:t>
             </a:r>
-          </a:p>
-          <a:p>
-            <a:r>
-              <a:rPr lang="ru-RU" smtClean="0"/>
+            <a:r>
+              <a:rPr lang="ru-RU" dirty="0" smtClean="0"/>
+              <a:t>()</a:t>
+            </a:r>
+            <a:endParaRPr lang="ru-RU" dirty="0" smtClean="0"/>
+          </a:p>
+          <a:p>
+            <a:r>
+              <a:rPr lang="ru-RU" dirty="0" smtClean="0"/>
               <a:t>Введение </a:t>
             </a:r>
+            <a:r>
+              <a:rPr lang="ru-RU" dirty="0" smtClean="0"/>
+              <a:t>()</a:t>
+            </a:r>
             <a:endParaRPr lang="ru-RU" dirty="0" smtClean="0"/>
           </a:p>
           <a:p>
             <a:r>
               <a:rPr lang="ru-RU" dirty="0" smtClean="0"/>
-              <a:t>1 Анализ и разработка </a:t>
-            </a:r>
-            <a:r>
-              <a:rPr lang="ru-RU" dirty="0" smtClean="0"/>
-              <a:t>требований (3-4стр)</a:t>
+              <a:t>1 Анализ и разработка требований (3-4стр)</a:t>
+            </a:r>
+          </a:p>
+          <a:p>
+            <a:r>
+              <a:rPr lang="ru-RU" dirty="0" smtClean="0"/>
+              <a:t>2 Проектирование программного </a:t>
+            </a:r>
+            <a:r>
+              <a:rPr lang="ru-RU" dirty="0" smtClean="0"/>
+              <a:t>обеспечения ()</a:t>
             </a:r>
             <a:endParaRPr lang="ru-RU" dirty="0" smtClean="0"/>
-          </a:p>
-          <a:p>
-            <a:r>
-              <a:rPr lang="ru-RU" dirty="0" smtClean="0"/>
-              <a:t>2 Проектирование программного обеспечения</a:t>
-            </a:r>
           </a:p>
           <a:p>
             <a:r>
@@ -5535,7 +5580,11 @@
             </a:r>
             <a:r>
               <a:rPr lang="ru-RU" dirty="0"/>
-              <a:t>программного обеспечения</a:t>
+              <a:t>программного </a:t>
+            </a:r>
+            <a:r>
+              <a:rPr lang="ru-RU" dirty="0" smtClean="0"/>
+              <a:t>обеспечения ()</a:t>
             </a:r>
             <a:endParaRPr lang="ru-RU" dirty="0" smtClean="0"/>
           </a:p>
@@ -5546,15 +5595,20 @@
             </a:r>
             <a:r>
               <a:rPr lang="ru-RU" dirty="0"/>
-              <a:t>эксплуатации программного обеспечения</a:t>
+              <a:t>эксплуатации программного </a:t>
+            </a:r>
+            <a:r>
+              <a:rPr lang="ru-RU" dirty="0" smtClean="0"/>
+              <a:t>обеспечения ()</a:t>
             </a:r>
             <a:endParaRPr lang="ru-RU" dirty="0" smtClean="0"/>
           </a:p>
           <a:p>
             <a:r>
               <a:rPr lang="ru-RU" dirty="0" smtClean="0"/>
-              <a:t>Заключение</a:t>
-            </a:r>
+              <a:t>Заключение ()</a:t>
+            </a:r>
+            <a:endParaRPr lang="ru-RU" dirty="0" smtClean="0"/>
           </a:p>
           <a:p>
             <a:r>
@@ -5563,7 +5617,19 @@
             </a:r>
             <a:r>
               <a:rPr lang="ru-RU" i="1" dirty="0" smtClean="0"/>
-              <a:t>(на все – ссылки в ПЗ)</a:t>
+              <a:t>(на все – ссылки в ПЗ</a:t>
+            </a:r>
+            <a:r>
+              <a:rPr lang="ru-RU" i="1" dirty="0" smtClean="0"/>
+              <a:t>) (1 </a:t>
+            </a:r>
+            <a:r>
+              <a:rPr lang="ru-RU" i="1" dirty="0" err="1" smtClean="0"/>
+              <a:t>стр</a:t>
+            </a:r>
+            <a:r>
+              <a:rPr lang="ru-RU" i="1" dirty="0" smtClean="0"/>
+              <a:t>)</a:t>
             </a:r>
             <a:endParaRPr lang="ru-RU" i="1" dirty="0"/>
           </a:p>
@@ -5574,8 +5640,18 @@
             </a:r>
             <a:r>
               <a:rPr lang="ru-RU" i="1" dirty="0" smtClean="0"/>
-              <a:t>(опционально)</a:t>
-            </a:r>
+              <a:t>(не надо)</a:t>
+            </a:r>
+          </a:p>
+          <a:p>
+            <a:endParaRPr lang="ru-RU" i="1" dirty="0"/>
+          </a:p>
+          <a:p>
+            <a:r>
+              <a:rPr lang="ru-RU" i="1" dirty="0" smtClean="0"/>
+              <a:t>Всего: 30 стр.</a:t>
+            </a:r>
+            <a:endParaRPr lang="ru-RU" i="1" dirty="0" smtClean="0"/>
           </a:p>
           <a:p>
             <a:endParaRPr lang="ru-RU" dirty="0"/>

--- a/КП/Курсовое проектирование 2025.pptx
+++ b/КП/Курсовое проектирование 2025.pptx
@@ -4506,25 +4506,69 @@
             </a:r>
             <a:r>
               <a:rPr lang="ru-RU" dirty="0" smtClean="0"/>
-              <a:t>.10.2025 — постановка задачи и выбор темы,</a:t>
-            </a:r>
-          </a:p>
-          <a:p>
-            <a:r>
-              <a:rPr lang="ru-RU" dirty="0" smtClean="0"/>
-              <a:t>с 25.10.2025 по 31.10.2025 — сбор и анализ требований, </a:t>
-            </a:r>
-          </a:p>
-          <a:p>
-            <a:r>
-              <a:rPr lang="ru-RU" dirty="0" smtClean="0"/>
-              <a:t>с 01.11.2025 по 07.11.2025 — проектирование ПО,</a:t>
-            </a:r>
-          </a:p>
-          <a:p>
-            <a:r>
-              <a:rPr lang="ru-RU" dirty="0" smtClean="0"/>
-              <a:t>с 08.11.2025 по 25.11.2025 — разработка и интеграция модулей ПО,</a:t>
+              <a:t>.10.2025 </a:t>
+            </a:r>
+            <a:r>
+              <a:rPr lang="ru-RU" dirty="0" smtClean="0"/>
+              <a:t>— постановка задачи и выбор темы,</a:t>
+            </a:r>
+          </a:p>
+          <a:p>
+            <a:r>
+              <a:rPr lang="ru-RU" dirty="0" smtClean="0"/>
+              <a:t>с </a:t>
+            </a:r>
+            <a:r>
+              <a:rPr lang="ru-RU" dirty="0" smtClean="0"/>
+              <a:t>25.10.2025 по 31.10.2025 </a:t>
+            </a:r>
+            <a:r>
+              <a:rPr lang="ru-RU" dirty="0" smtClean="0"/>
+              <a:t>— сбор и анализ требований, </a:t>
+            </a:r>
+          </a:p>
+          <a:p>
+            <a:r>
+              <a:rPr lang="ru-RU" dirty="0" smtClean="0"/>
+              <a:t>с </a:t>
+            </a:r>
+            <a:r>
+              <a:rPr lang="ru-RU" dirty="0" smtClean="0"/>
+              <a:t>01.11.2025 </a:t>
+            </a:r>
+            <a:r>
+              <a:rPr lang="ru-RU" dirty="0" smtClean="0"/>
+              <a:t>по </a:t>
+            </a:r>
+            <a:r>
+              <a:rPr lang="ru-RU" dirty="0" smtClean="0"/>
+              <a:t>07.11.2025 </a:t>
+            </a:r>
+            <a:r>
+              <a:rPr lang="ru-RU" dirty="0" smtClean="0"/>
+              <a:t>— проектирование ПО,</a:t>
+            </a:r>
+          </a:p>
+          <a:p>
+            <a:r>
+              <a:rPr lang="ru-RU" dirty="0" smtClean="0"/>
+              <a:t>с </a:t>
+            </a:r>
+            <a:r>
+              <a:rPr lang="ru-RU" dirty="0" smtClean="0"/>
+              <a:t>08.11.2025 </a:t>
+            </a:r>
+            <a:r>
+              <a:rPr lang="ru-RU" dirty="0" smtClean="0"/>
+              <a:t>по </a:t>
+            </a:r>
+            <a:r>
+              <a:rPr lang="ru-RU" dirty="0" smtClean="0"/>
+              <a:t>25.11.2025 </a:t>
+            </a:r>
+            <a:r>
+              <a:rPr lang="ru-RU" dirty="0" smtClean="0"/>
+              <a:t>— разработка и интеграция модулей ПО,</a:t>
             </a:r>
           </a:p>
           <a:p>
@@ -4560,13 +4604,33 @@
           <a:p>
             <a:r>
               <a:rPr lang="ru-RU" dirty="0" smtClean="0"/>
-              <a:t>с 25.10.2025 по 04.12.2025 — написание и проверка программной документации, оформление пояснительной записки, </a:t>
-            </a:r>
-          </a:p>
-          <a:p>
-            <a:r>
-              <a:rPr lang="ru-RU" dirty="0" smtClean="0"/>
-              <a:t>05.12.2025 — сдача курсового проекта на проверку, </a:t>
+              <a:t>с </a:t>
+            </a:r>
+            <a:r>
+              <a:rPr lang="ru-RU" dirty="0" smtClean="0"/>
+              <a:t>25.10.2025 </a:t>
+            </a:r>
+            <a:r>
+              <a:rPr lang="ru-RU" dirty="0" smtClean="0"/>
+              <a:t>по </a:t>
+            </a:r>
+            <a:r>
+              <a:rPr lang="ru-RU" dirty="0" smtClean="0"/>
+              <a:t>04.12.2025 </a:t>
+            </a:r>
+            <a:r>
+              <a:rPr lang="ru-RU" dirty="0" smtClean="0"/>
+              <a:t>— написание и проверка программной документации, оформление пояснительной записки, </a:t>
+            </a:r>
+          </a:p>
+          <a:p>
+            <a:r>
+              <a:rPr lang="ru-RU" dirty="0" smtClean="0"/>
+              <a:t>05.12.2025 </a:t>
+            </a:r>
+            <a:r>
+              <a:rPr lang="ru-RU" dirty="0" smtClean="0"/>
+              <a:t>— сдача курсового проекта на проверку, </a:t>
             </a:r>
           </a:p>
           <a:p>
@@ -4583,7 +4647,11 @@
             </a:r>
             <a:r>
               <a:rPr lang="ru-RU" dirty="0" smtClean="0"/>
-              <a:t>.12.2025 — защита курсового проекта.</a:t>
+              <a:t>.12.2025 </a:t>
+            </a:r>
+            <a:r>
+              <a:rPr lang="ru-RU" dirty="0" smtClean="0"/>
+              <a:t>— защита курсового проекта.</a:t>
             </a:r>
             <a:endParaRPr lang="ru-RU" dirty="0"/>
           </a:p>
@@ -4766,7 +4834,11 @@
             </a:r>
             <a:r>
               <a:rPr lang="ru-RU" dirty="0" smtClean="0"/>
-              <a:t> и развертывания файлы,</a:t>
+              <a:t> и развертывания </a:t>
+            </a:r>
+            <a:r>
+              <a:rPr lang="ru-RU" dirty="0" smtClean="0"/>
+              <a:t>файлы,</a:t>
             </a:r>
           </a:p>
           <a:p>
@@ -4828,7 +4900,11 @@
             </a:r>
             <a:r>
               <a:rPr lang="ru-RU" dirty="0" smtClean="0"/>
-              <a:t> (можно в отдельную ветку).</a:t>
+              <a:t> (можно в отдельную ветку)</a:t>
+            </a:r>
+            <a:r>
+              <a:rPr lang="ru-RU" dirty="0" smtClean="0"/>
+              <a:t>.</a:t>
             </a:r>
             <a:endParaRPr lang="en-US" dirty="0" smtClean="0"/>
           </a:p>
@@ -4929,7 +5005,11 @@
             </a:r>
             <a:r>
               <a:rPr lang="ru-RU" dirty="0" smtClean="0"/>
-              <a:t>, принятому в колледже (</a:t>
+              <a:t>, принятому в колледже </a:t>
+            </a:r>
+            <a:r>
+              <a:rPr lang="ru-RU" dirty="0" smtClean="0"/>
+              <a:t>(</a:t>
             </a:r>
             <a:r>
               <a:rPr lang="en-US" u="sng" dirty="0">
@@ -4947,6 +5027,7 @@
               <a:rPr lang="ru-RU" dirty="0" smtClean="0"/>
               <a:t>)</a:t>
             </a:r>
+            <a:endParaRPr lang="ru-RU" dirty="0" smtClean="0"/>
           </a:p>
           <a:p>
             <a:r>
@@ -4967,7 +5048,11 @@
             </a:r>
             <a:r>
               <a:rPr lang="ru-RU" dirty="0" smtClean="0"/>
-              <a:t> (</a:t>
+              <a:t> </a:t>
+            </a:r>
+            <a:r>
+              <a:rPr lang="ru-RU" dirty="0" smtClean="0"/>
+              <a:t>(</a:t>
             </a:r>
             <a:r>
               <a:rPr lang="en-US" dirty="0">
@@ -4985,6 +5070,7 @@
               <a:rPr lang="ru-RU" dirty="0" smtClean="0"/>
               <a:t>)</a:t>
             </a:r>
+            <a:endParaRPr lang="ru-RU" dirty="0" smtClean="0"/>
           </a:p>
           <a:p>
             <a:r>
@@ -5317,16 +5403,29 @@
             </a:r>
             <a:r>
               <a:rPr lang="ru-RU" dirty="0" smtClean="0"/>
-              <a:t>пользователя с описанием всех возможностей системы (</a:t>
+              <a:t>пользователя </a:t>
+            </a:r>
+            <a:r>
+              <a:rPr lang="ru-RU" dirty="0" smtClean="0"/>
+              <a:t>с описанием всех возможностей системы (</a:t>
             </a:r>
             <a:r>
               <a:rPr lang="en-US" dirty="0" smtClean="0"/>
-              <a:t>.pdf/.html</a:t>
+              <a:t>.</a:t>
+            </a:r>
+            <a:r>
+              <a:rPr lang="en-US" dirty="0" smtClean="0"/>
+              <a:t>pdf/.</a:t>
+            </a:r>
+            <a:r>
+              <a:rPr lang="en-US" dirty="0" smtClean="0"/>
+              <a:t>html</a:t>
             </a:r>
             <a:r>
               <a:rPr lang="ru-RU" dirty="0" smtClean="0"/>
               <a:t>),</a:t>
             </a:r>
+            <a:endParaRPr lang="ru-RU" dirty="0" smtClean="0"/>
           </a:p>
           <a:p>
             <a:pPr lvl="0"/>
@@ -5378,8 +5477,13 @@
             </a:r>
             <a:r>
               <a:rPr lang="ru-RU" dirty="0" smtClean="0"/>
-              <a:t>если написан).</a:t>
-            </a:r>
+              <a:t>если написан</a:t>
+            </a:r>
+            <a:r>
+              <a:rPr lang="ru-RU" dirty="0" smtClean="0"/>
+              <a:t>).</a:t>
+            </a:r>
+            <a:endParaRPr lang="ru-RU" dirty="0" smtClean="0"/>
           </a:p>
           <a:p>
             <a:pPr lvl="0"/>
@@ -5429,12 +5533,7 @@
             <p:ph type="title"/>
           </p:nvPr>
         </p:nvSpPr>
-        <p:spPr>
-          <a:xfrm>
-            <a:off x="930533" y="304800"/>
-            <a:ext cx="7772400" cy="1143000"/>
-          </a:xfrm>
-        </p:spPr>
+        <p:spPr/>
         <p:txBody>
           <a:bodyPr/>
           <a:lstStyle/>
@@ -5465,44 +5564,14 @@
         </p:spPr>
         <p:txBody>
           <a:bodyPr>
-            <a:normAutofit fontScale="70000" lnSpcReduction="20000"/>
+            <a:normAutofit fontScale="77500" lnSpcReduction="20000"/>
           </a:bodyPr>
           <a:lstStyle/>
           <a:p>
             <a:r>
               <a:rPr lang="ru-RU" dirty="0" smtClean="0"/>
-              <a:t>Титульный </a:t>
-            </a:r>
-            <a:r>
-              <a:rPr lang="ru-RU" dirty="0" smtClean="0"/>
-              <a:t>лист</a:t>
-            </a:r>
-            <a:r>
-              <a:rPr lang="en-US" dirty="0" smtClean="0"/>
-              <a:t> </a:t>
-            </a:r>
-            <a:r>
-              <a:rPr lang="en-US" dirty="0" smtClean="0">
-                <a:latin typeface="Cambria" panose="02040503050406030204" pitchFamily="18" charset="0"/>
-                <a:ea typeface="Cambria" panose="02040503050406030204" pitchFamily="18" charset="0"/>
-              </a:rPr>
-              <a:t>(1c</a:t>
-            </a:r>
-            <a:r>
-              <a:rPr lang="ru-RU" dirty="0" err="1" smtClean="0">
-                <a:latin typeface="Cambria" panose="02040503050406030204" pitchFamily="18" charset="0"/>
-                <a:ea typeface="Cambria" panose="02040503050406030204" pitchFamily="18" charset="0"/>
-              </a:rPr>
-              <a:t>тр</a:t>
-            </a:r>
-            <a:r>
-              <a:rPr lang="en-US" dirty="0" smtClean="0">
-                <a:latin typeface="Cambria" panose="02040503050406030204" pitchFamily="18" charset="0"/>
-                <a:ea typeface="Cambria" panose="02040503050406030204" pitchFamily="18" charset="0"/>
-              </a:rPr>
-              <a:t>)</a:t>
-            </a:r>
-            <a:endParaRPr lang="ru-RU" dirty="0" smtClean="0"/>
+              <a:t>Титульный лист </a:t>
+            </a:r>
           </a:p>
           <a:p>
             <a:r>
@@ -5517,48 +5586,32 @@
           <a:p>
             <a:r>
               <a:rPr lang="ru-RU" dirty="0" smtClean="0"/>
-              <a:t>Содержание ()</a:t>
-            </a:r>
-            <a:endParaRPr lang="ru-RU" dirty="0" smtClean="0"/>
+              <a:t>Содержание</a:t>
+            </a:r>
           </a:p>
           <a:p>
             <a:r>
               <a:rPr lang="ru-RU" dirty="0" smtClean="0"/>
               <a:t>Перечень сокращений и обозначений </a:t>
             </a:r>
-            <a:r>
-              <a:rPr lang="ru-RU" dirty="0" smtClean="0"/>
-              <a:t>()</a:t>
-            </a:r>
-            <a:endParaRPr lang="ru-RU" dirty="0" smtClean="0"/>
           </a:p>
           <a:p>
             <a:r>
               <a:rPr lang="ru-RU" dirty="0" smtClean="0"/>
               <a:t>Введение </a:t>
             </a:r>
-            <a:r>
-              <a:rPr lang="ru-RU" dirty="0" smtClean="0"/>
-              <a:t>()</a:t>
-            </a:r>
-            <a:endParaRPr lang="ru-RU" dirty="0" smtClean="0"/>
-          </a:p>
-          <a:p>
-            <a:r>
-              <a:rPr lang="ru-RU" dirty="0" smtClean="0"/>
-              <a:t>1 Анализ и разработка требований (3-4стр)</a:t>
-            </a:r>
-          </a:p>
-          <a:p>
-            <a:r>
-              <a:rPr lang="ru-RU" dirty="0" smtClean="0"/>
-              <a:t>2 Проектирование программного </a:t>
-            </a:r>
-            <a:r>
-              <a:rPr lang="ru-RU" dirty="0" smtClean="0"/>
-              <a:t>обеспечения ()</a:t>
-            </a:r>
-            <a:endParaRPr lang="ru-RU" dirty="0" smtClean="0"/>
+          </a:p>
+          <a:p>
+            <a:r>
+              <a:rPr lang="ru-RU" dirty="0" smtClean="0"/>
+              <a:t>1 Анализ и разработка требований</a:t>
+            </a:r>
+          </a:p>
+          <a:p>
+            <a:r>
+              <a:rPr lang="ru-RU" dirty="0" smtClean="0"/>
+              <a:t>2 Проектирование программного обеспечения</a:t>
+            </a:r>
           </a:p>
           <a:p>
             <a:r>
@@ -5580,11 +5633,7 @@
             </a:r>
             <a:r>
               <a:rPr lang="ru-RU" dirty="0"/>
-              <a:t>программного </a:t>
-            </a:r>
-            <a:r>
-              <a:rPr lang="ru-RU" dirty="0" smtClean="0"/>
-              <a:t>обеспечения ()</a:t>
+              <a:t>программного обеспечения</a:t>
             </a:r>
             <a:endParaRPr lang="ru-RU" dirty="0" smtClean="0"/>
           </a:p>
@@ -5595,18 +5644,14 @@
             </a:r>
             <a:r>
               <a:rPr lang="ru-RU" dirty="0"/>
-              <a:t>эксплуатации программного </a:t>
-            </a:r>
-            <a:r>
-              <a:rPr lang="ru-RU" dirty="0" smtClean="0"/>
-              <a:t>обеспечения ()</a:t>
+              <a:t>эксплуатации программного обеспечения</a:t>
             </a:r>
             <a:endParaRPr lang="ru-RU" dirty="0" smtClean="0"/>
           </a:p>
           <a:p>
             <a:r>
               <a:rPr lang="ru-RU" dirty="0" smtClean="0"/>
-              <a:t>Заключение ()</a:t>
+              <a:t>Заключение</a:t>
             </a:r>
             <a:endParaRPr lang="ru-RU" dirty="0" smtClean="0"/>
           </a:p>
@@ -5617,41 +5662,19 @@
             </a:r>
             <a:r>
               <a:rPr lang="ru-RU" i="1" dirty="0" smtClean="0"/>
-              <a:t>(на все – ссылки в ПЗ</a:t>
+              <a:t>(на все – ссылки в ПЗ)</a:t>
+            </a:r>
+            <a:endParaRPr lang="ru-RU" i="1" dirty="0"/>
+          </a:p>
+          <a:p>
+            <a:r>
+              <a:rPr lang="ru-RU" dirty="0" smtClean="0"/>
+              <a:t>Приложение </a:t>
             </a:r>
             <a:r>
               <a:rPr lang="ru-RU" i="1" dirty="0" smtClean="0"/>
-              <a:t>) (1 </a:t>
-            </a:r>
-            <a:r>
-              <a:rPr lang="ru-RU" i="1" dirty="0" err="1" smtClean="0"/>
-              <a:t>стр</a:t>
-            </a:r>
-            <a:r>
-              <a:rPr lang="ru-RU" i="1" dirty="0" smtClean="0"/>
-              <a:t>)</a:t>
-            </a:r>
-            <a:endParaRPr lang="ru-RU" i="1" dirty="0"/>
-          </a:p>
-          <a:p>
-            <a:r>
-              <a:rPr lang="ru-RU" dirty="0" smtClean="0"/>
-              <a:t>Приложение </a:t>
-            </a:r>
-            <a:r>
-              <a:rPr lang="ru-RU" i="1" dirty="0" smtClean="0"/>
-              <a:t>(не надо)</a:t>
-            </a:r>
-          </a:p>
-          <a:p>
-            <a:endParaRPr lang="ru-RU" i="1" dirty="0"/>
-          </a:p>
-          <a:p>
-            <a:r>
-              <a:rPr lang="ru-RU" i="1" dirty="0" smtClean="0"/>
-              <a:t>Всего: 30 стр.</a:t>
-            </a:r>
-            <a:endParaRPr lang="ru-RU" i="1" dirty="0" smtClean="0"/>
+              <a:t>(опционально)</a:t>
+            </a:r>
           </a:p>
           <a:p>
             <a:endParaRPr lang="ru-RU" dirty="0"/>
@@ -5767,7 +5790,19 @@
             </a:pPr>
             <a:r>
               <a:rPr lang="ru-RU" dirty="0" smtClean="0"/>
-              <a:t>Кратко описать ПО (какой будет тип приложения (оконное/веб, его основная функциональность, эксплуатационные требования к интерфейсу и защите данных). Этот же текст может использоваться в листе задания.</a:t>
+              <a:t>Кратко описать ПО (какой будет тип приложения (оконное/веб, его основная функциональность, </a:t>
+            </a:r>
+            <a:r>
+              <a:rPr lang="ru-RU" dirty="0" smtClean="0"/>
+              <a:t>эксплуатационные требования </a:t>
+            </a:r>
+            <a:r>
+              <a:rPr lang="ru-RU" dirty="0" smtClean="0"/>
+              <a:t>к интерфейсу и защите данных). Этот же текст может использоваться в листе </a:t>
+            </a:r>
+            <a:r>
+              <a:rPr lang="ru-RU" dirty="0" smtClean="0"/>
+              <a:t>задания.</a:t>
             </a:r>
           </a:p>
           <a:p>
@@ -5776,14 +5811,30 @@
             </a:pPr>
             <a:r>
               <a:rPr lang="ru-RU" dirty="0" smtClean="0"/>
-              <a:t>Указать все доступные функции, каким категориям какие действия доступны, как должно запускаться приложение.</a:t>
+              <a:t>Указать все доступные функции, </a:t>
+            </a:r>
+            <a:r>
+              <a:rPr lang="ru-RU" dirty="0" smtClean="0"/>
+              <a:t>каким категориям какие действия </a:t>
+            </a:r>
+            <a:r>
+              <a:rPr lang="ru-RU" dirty="0" smtClean="0"/>
+              <a:t>доступны, как </a:t>
+            </a:r>
+            <a:r>
+              <a:rPr lang="ru-RU" dirty="0" smtClean="0"/>
+              <a:t>должно запускаться приложение.</a:t>
             </a:r>
             <a:endParaRPr lang="ru-RU" b="1" dirty="0" smtClean="0"/>
           </a:p>
           <a:p>
             <a:r>
               <a:rPr lang="ru-RU" b="1" dirty="0" smtClean="0"/>
-              <a:t>1.3 Выбор состава программных и технических средств</a:t>
+              <a:t>1.3 </a:t>
+            </a:r>
+            <a:r>
+              <a:rPr lang="ru-RU" b="1" dirty="0" smtClean="0"/>
+              <a:t>Выбор состава программных и технических средств</a:t>
             </a:r>
           </a:p>
           <a:p>
@@ -6138,6 +6189,7 @@
               <a:rPr lang="ru-RU" dirty="0" smtClean="0"/>
               <a:t>, использованные паттерны и подходы к программированию </a:t>
             </a:r>
+            <a:endParaRPr lang="ru-RU" dirty="0" smtClean="0"/>
           </a:p>
           <a:p>
             <a:r>
@@ -6151,8 +6203,13 @@
             </a:pPr>
             <a:r>
               <a:rPr lang="ru-RU" dirty="0" smtClean="0"/>
-              <a:t>Здесь: описать технологии, использованные при реализации интерфейса пользователя, настройку стилей приложения</a:t>
-            </a:r>
+              <a:t>Здесь: описать технологии, использованные при реализации интерфейса </a:t>
+            </a:r>
+            <a:r>
+              <a:rPr lang="ru-RU" dirty="0" smtClean="0"/>
+              <a:t>пользователя, настройку стилей приложения</a:t>
+            </a:r>
+            <a:endParaRPr lang="ru-RU" dirty="0" smtClean="0"/>
           </a:p>
           <a:p>
             <a:r>
@@ -6409,7 +6466,11 @@
             </a:r>
             <a:r>
               <a:rPr lang="ru-RU" dirty="0" smtClean="0"/>
-              <a:t>функциональности методом черного ящика (без доступа к коду)</a:t>
+              <a:t>функциональности методом </a:t>
+            </a:r>
+            <a:r>
+              <a:rPr lang="ru-RU" dirty="0" smtClean="0"/>
+              <a:t>черного ящика (без доступа к коду)</a:t>
             </a:r>
             <a:endParaRPr lang="ru-RU" dirty="0"/>
           </a:p>
@@ -6487,7 +6548,15 @@
           <a:p>
             <a:r>
               <a:rPr lang="ru-RU" dirty="0" smtClean="0"/>
-              <a:t>Разработка подсистемы «</a:t>
+              <a:t>Разработка </a:t>
+            </a:r>
+            <a:r>
+              <a:rPr lang="ru-RU" dirty="0" smtClean="0"/>
+              <a:t>подсистемы </a:t>
+            </a:r>
+            <a:r>
+              <a:rPr lang="ru-RU" dirty="0" smtClean="0"/>
+              <a:t>«</a:t>
             </a:r>
             <a:r>
               <a:rPr lang="ru-RU" dirty="0" smtClean="0">
@@ -6563,7 +6632,11 @@
           <a:p>
             <a:r>
               <a:rPr lang="ru-RU" dirty="0" smtClean="0"/>
-              <a:t>Разработка игрового приложения «</a:t>
+              <a:t>Разработка игрового приложения </a:t>
+            </a:r>
+            <a:r>
+              <a:rPr lang="ru-RU" dirty="0" smtClean="0"/>
+              <a:t>«</a:t>
             </a:r>
             <a:r>
               <a:rPr lang="ru-RU" dirty="0" smtClean="0">
@@ -6671,7 +6744,11 @@
             </a:pPr>
             <a:r>
               <a:rPr lang="ru-RU" dirty="0" smtClean="0"/>
-              <a:t>Здесь: описание процесса установки и развертывания ПО на сервере и на клиенте, указание логинов-паролей по умолчанию, импорт тестовых данных и необходимых для работы системы данных, настройка </a:t>
+              <a:t>Здесь: описание процесса установки и развертывания ПО на сервере и на клиенте, указание логинов-паролей по умолчанию, импорт тестовых данных и необходимых для работы системы </a:t>
+            </a:r>
+            <a:r>
+              <a:rPr lang="ru-RU" dirty="0" smtClean="0"/>
+              <a:t>данных, настройка </a:t>
             </a:r>
             <a:r>
               <a:rPr lang="en-US" dirty="0" smtClean="0"/>
@@ -6681,6 +6758,7 @@
               <a:rPr lang="ru-RU" dirty="0" smtClean="0"/>
               <a:t>и переменных окружения</a:t>
             </a:r>
+            <a:endParaRPr lang="ru-RU" dirty="0" smtClean="0"/>
           </a:p>
           <a:p>
             <a:r>
@@ -7032,6 +7110,7 @@
               <a:rPr lang="ru-RU" sz="1400" dirty="0" smtClean="0"/>
               <a:t>.</a:t>
             </a:r>
+            <a:endParaRPr lang="ru-RU" sz="1400" dirty="0" smtClean="0"/>
           </a:p>
           <a:p>
             <a:pPr marL="342900" indent="-342900">
@@ -7298,6 +7377,7 @@
               <a:rPr lang="ru-RU" dirty="0" smtClean="0"/>
               <a:t>выпадающие списки / флажки / переключатели и т.д.), поиск по введенному в поисковую строку тексту и сортировка данных (по возрастанию/убыванию) при просмотре с возможностью сброса фильтров,</a:t>
             </a:r>
+            <a:endParaRPr lang="ru-RU" dirty="0" smtClean="0"/>
           </a:p>
           <a:p>
             <a:r>
@@ -7310,6 +7390,7 @@
               <a:rPr lang="ru-RU" dirty="0" smtClean="0"/>
               <a:t>Авторизация и регистрация пользователей,</a:t>
             </a:r>
+            <a:endParaRPr lang="ru-RU" dirty="0" smtClean="0"/>
           </a:p>
           <a:p>
             <a:r>
@@ -7362,7 +7443,15 @@
             </a:r>
             <a:r>
               <a:rPr lang="ru-RU" dirty="0" smtClean="0"/>
-              <a:t> (с адекватными </a:t>
+              <a:t> </a:t>
+            </a:r>
+            <a:r>
+              <a:rPr lang="ru-RU" dirty="0" smtClean="0"/>
+              <a:t>(</a:t>
+            </a:r>
+            <a:r>
+              <a:rPr lang="ru-RU" dirty="0" smtClean="0"/>
+              <a:t>с адекватными </a:t>
             </a:r>
             <a:r>
               <a:rPr lang="ru-RU" dirty="0" err="1" smtClean="0"/>
@@ -7466,8 +7555,13 @@
             </a:r>
             <a:r>
               <a:rPr lang="ru-RU" i="1" dirty="0" smtClean="0"/>
-              <a:t>(примерное описание)</a:t>
-            </a:r>
+              <a:t>(</a:t>
+            </a:r>
+            <a:r>
+              <a:rPr lang="ru-RU" i="1" dirty="0" smtClean="0"/>
+              <a:t>примерное описание)</a:t>
+            </a:r>
+            <a:endParaRPr lang="ru-RU" i="1" dirty="0" smtClean="0"/>
           </a:p>
           <a:p>
             <a:pPr marL="0" indent="0">
@@ -7546,7 +7640,15 @@
           <a:p>
             <a:r>
               <a:rPr lang="ru-RU" dirty="0" smtClean="0"/>
-              <a:t>задачи берутся из этапов создания ПО, требований к проекту, из ФГОС 09.02.07.</a:t>
+              <a:t>задачи берутся из этапов создания </a:t>
+            </a:r>
+            <a:r>
+              <a:rPr lang="ru-RU" dirty="0" smtClean="0"/>
+              <a:t>ПО, требований к проекту, </a:t>
+            </a:r>
+            <a:r>
+              <a:rPr lang="ru-RU" dirty="0" smtClean="0"/>
+              <a:t>из ФГОС 09.02.07.</a:t>
             </a:r>
           </a:p>
           <a:p>
@@ -7673,7 +7775,11 @@
             <a:pPr lvl="0"/>
             <a:r>
               <a:rPr lang="ru-RU" dirty="0" smtClean="0"/>
-              <a:t>реализовать разграничение прав доступа пользователей,</a:t>
+              <a:t>реализовать разграничение прав доступа пользователей</a:t>
+            </a:r>
+            <a:r>
+              <a:rPr lang="ru-RU" dirty="0" smtClean="0"/>
+              <a:t>,</a:t>
             </a:r>
           </a:p>
           <a:p>
@@ -7686,6 +7792,7 @@
               <a:rPr lang="ru-RU" dirty="0" smtClean="0"/>
               <a:t>еализовать фильтрацию / поиск / сортировку данных,</a:t>
             </a:r>
+            <a:endParaRPr lang="ru-RU" dirty="0" smtClean="0"/>
           </a:p>
           <a:p>
             <a:pPr lvl="0"/>
